--- a/Projektdokumentation/Personas_Template_v2 Fre.pptx
+++ b/Projektdokumentation/Personas_Template_v2 Fre.pptx
@@ -231,7 +231,7 @@
           <a:bodyPr lIns="0" rIns="0" tIns="0" bIns="0" anchor="b"/>
           <a:p>
             <a:pPr algn="r"/>
-            <a:fld id="{355F3124-41B2-443B-AF3C-ED3D5905B0CD}" type="slidenum">
+            <a:fld id="{0137D2B2-E816-43E6-ABD4-26C2C7875CC3}" type="slidenum">
               <a:rPr b="0" lang="de-DE" sz="1400" spc="-1" strike="noStrike">
                 <a:latin typeface="Times New Roman"/>
               </a:rPr>
@@ -275,7 +275,7 @@
         <p:spPr>
           <a:xfrm>
             <a:off x="4278960" y="10157400"/>
-            <a:ext cx="3278160" cy="531720"/>
+            <a:ext cx="3277800" cy="531360"/>
           </a:xfrm>
           <a:prstGeom prst="rect">
             <a:avLst/>
@@ -299,7 +299,7 @@
                 <a:spcPct val="0"/>
               </a:lnSpc>
             </a:pPr>
-            <a:fld id="{834AFCA4-038E-4A47-94EF-EAB4E28868D3}" type="slidenum">
+            <a:fld id="{424AF560-BE20-42BE-9F00-A49EBFCF1CD9}" type="slidenum">
               <a:rPr b="0" lang="de-DE" sz="1800" spc="-1" strike="noStrike">
                 <a:solidFill>
                   <a:srgbClr val="000000"/>
@@ -328,7 +328,7 @@
         <p:spPr>
           <a:xfrm>
             <a:off x="1106640" y="812880"/>
-            <a:ext cx="5342760" cy="4006080"/>
+            <a:ext cx="5342400" cy="4005720"/>
           </a:xfrm>
           <a:prstGeom prst="rect">
             <a:avLst/>
@@ -348,7 +348,7 @@
         <p:spPr>
           <a:xfrm>
             <a:off x="756000" y="5078520"/>
-            <a:ext cx="6045120" cy="4808880"/>
+            <a:ext cx="6044760" cy="4808520"/>
           </a:xfrm>
           <a:prstGeom prst="rect">
             <a:avLst/>
@@ -394,7 +394,7 @@
         <p:spPr>
           <a:xfrm>
             <a:off x="4278960" y="10157400"/>
-            <a:ext cx="3278160" cy="531720"/>
+            <a:ext cx="3277800" cy="531360"/>
           </a:xfrm>
           <a:prstGeom prst="rect">
             <a:avLst/>
@@ -418,7 +418,7 @@
                 <a:spcPct val="0"/>
               </a:lnSpc>
             </a:pPr>
-            <a:fld id="{E7BB58E8-4D3F-488A-B018-4016A7A02A90}" type="slidenum">
+            <a:fld id="{F2729BEB-CD31-4BE9-BB06-2C3CB9AC0A01}" type="slidenum">
               <a:rPr b="0" lang="de-DE" sz="1800" spc="-1" strike="noStrike">
                 <a:solidFill>
                   <a:srgbClr val="000000"/>
@@ -447,7 +447,7 @@
         <p:spPr>
           <a:xfrm>
             <a:off x="1106640" y="812880"/>
-            <a:ext cx="5342760" cy="4006080"/>
+            <a:ext cx="5342400" cy="4005720"/>
           </a:xfrm>
           <a:prstGeom prst="rect">
             <a:avLst/>
@@ -467,7 +467,7 @@
         <p:spPr>
           <a:xfrm>
             <a:off x="756000" y="5078520"/>
-            <a:ext cx="6045120" cy="4808880"/>
+            <a:ext cx="6044760" cy="4808520"/>
           </a:xfrm>
           <a:prstGeom prst="rect">
             <a:avLst/>
@@ -513,7 +513,7 @@
         <p:spPr>
           <a:xfrm>
             <a:off x="4278960" y="10157400"/>
-            <a:ext cx="3278160" cy="531720"/>
+            <a:ext cx="3277800" cy="531360"/>
           </a:xfrm>
           <a:prstGeom prst="rect">
             <a:avLst/>
@@ -537,7 +537,7 @@
                 <a:spcPct val="0"/>
               </a:lnSpc>
             </a:pPr>
-            <a:fld id="{06452755-819B-4424-B220-2A45FF6330E5}" type="slidenum">
+            <a:fld id="{BEECC5D6-4FFB-4466-9D78-B719F1680D6E}" type="slidenum">
               <a:rPr b="0" lang="de-DE" sz="1800" spc="-1" strike="noStrike">
                 <a:solidFill>
                   <a:srgbClr val="000000"/>
@@ -566,7 +566,7 @@
         <p:spPr>
           <a:xfrm>
             <a:off x="1106640" y="812880"/>
-            <a:ext cx="5342760" cy="4006080"/>
+            <a:ext cx="5342400" cy="4005720"/>
           </a:xfrm>
           <a:prstGeom prst="rect">
             <a:avLst/>
@@ -586,7 +586,7 @@
         <p:spPr>
           <a:xfrm>
             <a:off x="756000" y="5078520"/>
-            <a:ext cx="6045120" cy="4808880"/>
+            <a:ext cx="6044760" cy="4808520"/>
           </a:xfrm>
           <a:prstGeom prst="rect">
             <a:avLst/>
@@ -632,7 +632,7 @@
         <p:spPr>
           <a:xfrm>
             <a:off x="4278960" y="10157400"/>
-            <a:ext cx="3278160" cy="531720"/>
+            <a:ext cx="3277800" cy="531360"/>
           </a:xfrm>
           <a:prstGeom prst="rect">
             <a:avLst/>
@@ -656,7 +656,7 @@
                 <a:spcPct val="0"/>
               </a:lnSpc>
             </a:pPr>
-            <a:fld id="{8B047E39-EA10-461D-AF99-B9D446004DB7}" type="slidenum">
+            <a:fld id="{C92FC635-4889-4AB1-8530-4E532F066C08}" type="slidenum">
               <a:rPr b="0" lang="de-DE" sz="1800" spc="-1" strike="noStrike">
                 <a:solidFill>
                   <a:srgbClr val="000000"/>
@@ -685,7 +685,7 @@
         <p:spPr>
           <a:xfrm>
             <a:off x="1106640" y="812880"/>
-            <a:ext cx="5342760" cy="4006080"/>
+            <a:ext cx="5342400" cy="4005720"/>
           </a:xfrm>
           <a:prstGeom prst="rect">
             <a:avLst/>
@@ -705,7 +705,7 @@
         <p:spPr>
           <a:xfrm>
             <a:off x="756000" y="5078520"/>
-            <a:ext cx="6045120" cy="4808880"/>
+            <a:ext cx="6044760" cy="4808520"/>
           </a:xfrm>
           <a:prstGeom prst="rect">
             <a:avLst/>
@@ -751,7 +751,7 @@
         <p:spPr>
           <a:xfrm>
             <a:off x="4278960" y="10157400"/>
-            <a:ext cx="3278160" cy="531720"/>
+            <a:ext cx="3277800" cy="531360"/>
           </a:xfrm>
           <a:prstGeom prst="rect">
             <a:avLst/>
@@ -775,7 +775,7 @@
                 <a:spcPct val="0"/>
               </a:lnSpc>
             </a:pPr>
-            <a:fld id="{2DEFBC67-AB0D-45FB-9D61-ECFCE11B03F7}" type="slidenum">
+            <a:fld id="{6106D1CD-FE9A-4285-87D4-A1D7C1DF9375}" type="slidenum">
               <a:rPr b="0" lang="de-DE" sz="1800" spc="-1" strike="noStrike">
                 <a:solidFill>
                   <a:srgbClr val="000000"/>
@@ -804,7 +804,7 @@
         <p:spPr>
           <a:xfrm>
             <a:off x="1106640" y="812880"/>
-            <a:ext cx="5342760" cy="4006080"/>
+            <a:ext cx="5342400" cy="4005720"/>
           </a:xfrm>
           <a:prstGeom prst="rect">
             <a:avLst/>
@@ -824,7 +824,7 @@
         <p:spPr>
           <a:xfrm>
             <a:off x="756000" y="5078520"/>
-            <a:ext cx="6045120" cy="4808880"/>
+            <a:ext cx="6044760" cy="4808520"/>
           </a:xfrm>
           <a:prstGeom prst="rect">
             <a:avLst/>
@@ -2452,8 +2452,8 @@
         </p:nvSpPr>
         <p:spPr>
           <a:xfrm rot="11400">
-            <a:off x="159480" y="179640"/>
-            <a:ext cx="1941480" cy="2229840"/>
+            <a:off x="159120" y="179280"/>
+            <a:ext cx="1941120" cy="2229480"/>
           </a:xfrm>
           <a:custGeom>
             <a:avLst/>
@@ -2531,7 +2531,7 @@
         <p:spPr>
           <a:xfrm>
             <a:off x="2222280" y="178920"/>
-            <a:ext cx="7719120" cy="587520"/>
+            <a:ext cx="7718760" cy="587160"/>
           </a:xfrm>
           <a:custGeom>
             <a:avLst/>
@@ -2606,7 +2606,7 @@
         </p:nvGraphicFramePr>
         <p:xfrm>
           <a:off x="154800" y="5069160"/>
-          <a:ext cx="7816320" cy="2300040"/>
+          <a:ext cx="7816320" cy="2299680"/>
         </p:xfrm>
         <a:graphic>
           <a:graphicData uri="http://schemas.openxmlformats.org/drawingml/2006/table">
@@ -2779,7 +2779,7 @@
                   </a:tcPr>
                 </a:tc>
               </a:tr>
-              <a:tr h="1669320">
+              <a:tr h="1668960">
                 <a:tc>
                   <a:txBody>
                     <a:bodyPr/>
@@ -3338,7 +3338,7 @@
                   <a:txBody>
                     <a:bodyPr/>
                     <a:p>
-                      <a:pPr marL="216000" indent="-215640">
+                      <a:pPr marL="216000" indent="-215280">
                         <a:lnSpc>
                           <a:spcPct val="0"/>
                         </a:lnSpc>
@@ -3363,7 +3363,7 @@
                       </a:endParaRPr>
                     </a:p>
                     <a:p>
-                      <a:pPr marL="216000" indent="-215640">
+                      <a:pPr marL="216000" indent="-215280">
                         <a:lnSpc>
                           <a:spcPct val="0"/>
                         </a:lnSpc>
@@ -3398,7 +3398,7 @@
                   <a:txBody>
                     <a:bodyPr/>
                     <a:p>
-                      <a:pPr marL="216000" indent="-215640">
+                      <a:pPr marL="216000" indent="-215280">
                         <a:lnSpc>
                           <a:spcPct val="0"/>
                         </a:lnSpc>
@@ -3423,7 +3423,7 @@
                       </a:endParaRPr>
                     </a:p>
                     <a:p>
-                      <a:pPr marL="216000" indent="-215640">
+                      <a:pPr marL="216000" indent="-215280">
                         <a:lnSpc>
                           <a:spcPct val="0"/>
                         </a:lnSpc>
@@ -3441,7 +3441,7 @@
                           <a:latin typeface="Arial"/>
                           <a:ea typeface="DejaVu Sans"/>
                         </a:rPr>
-                        <a:t>Bessere zeitliche Vereinbarkeit mit bestehenden Verpflichtungen</a:t>
+                        <a:t>Bessere zeitliche Vereinbarkeit mit bestehenden Verpflichtungen x</a:t>
                       </a:r>
                       <a:endParaRPr b="0" lang="de-DE" sz="1200" spc="-1" strike="noStrike">
                         <a:latin typeface="Arial"/>
@@ -3558,7 +3558,7 @@
         </p:nvGraphicFramePr>
         <p:xfrm>
           <a:off x="8105040" y="6319800"/>
-          <a:ext cx="1791000" cy="1090440"/>
+          <a:ext cx="1791000" cy="1090080"/>
         </p:xfrm>
         <a:graphic>
           <a:graphicData uri="http://schemas.openxmlformats.org/drawingml/2006/table">
@@ -3599,12 +3599,12 @@
                   </a:tcPr>
                 </a:tc>
               </a:tr>
-              <a:tr h="772920">
-                <a:tc>
-                  <a:txBody>
-                    <a:bodyPr/>
-                    <a:p>
-                      <a:pPr marL="171360" indent="-168840">
+              <a:tr h="772560">
+                <a:tc>
+                  <a:txBody>
+                    <a:bodyPr/>
+                    <a:p>
+                      <a:pPr marL="171360" indent="-168480">
                         <a:lnSpc>
                           <a:spcPct val="0"/>
                         </a:lnSpc>
@@ -3632,7 +3632,7 @@
                       </a:endParaRPr>
                     </a:p>
                     <a:p>
-                      <a:pPr marL="171360" indent="-168840">
+                      <a:pPr marL="171360" indent="-168480">
                         <a:lnSpc>
                           <a:spcPct val="0"/>
                         </a:lnSpc>
@@ -3676,7 +3676,7 @@
         </p:nvGraphicFramePr>
         <p:xfrm>
           <a:off x="158040" y="2536200"/>
-          <a:ext cx="2615760" cy="2404800"/>
+          <a:ext cx="2615760" cy="2404440"/>
         </p:xfrm>
         <a:graphic>
           <a:graphicData uri="http://schemas.openxmlformats.org/drawingml/2006/table">
@@ -3717,7 +3717,7 @@
                   </a:tcPr>
                 </a:tc>
               </a:tr>
-              <a:tr h="2053800">
+              <a:tr h="2053440">
                 <a:tc>
                   <a:txBody>
                     <a:bodyPr/>
@@ -3921,7 +3921,7 @@
         </p:nvGraphicFramePr>
         <p:xfrm>
           <a:off x="8105040" y="3813480"/>
-          <a:ext cx="1817280" cy="1104480"/>
+          <a:ext cx="1817280" cy="1189800"/>
         </p:xfrm>
         <a:graphic>
           <a:graphicData uri="http://schemas.openxmlformats.org/drawingml/2006/table">
@@ -3967,7 +3967,7 @@
                   <a:txBody>
                     <a:bodyPr/>
                     <a:p>
-                      <a:pPr marL="216000" indent="-215640">
+                      <a:pPr marL="216000" indent="-215280">
                         <a:lnSpc>
                           <a:spcPct val="0"/>
                         </a:lnSpc>
@@ -3999,12 +3999,12 @@
                   </a:tcPr>
                 </a:tc>
               </a:tr>
-              <a:tr h="262440">
-                <a:tc>
-                  <a:txBody>
-                    <a:bodyPr/>
-                    <a:p>
-                      <a:pPr marL="216000" indent="-215640">
+              <a:tr h="774360">
+                <a:tc>
+                  <a:txBody>
+                    <a:bodyPr/>
+                    <a:p>
+                      <a:pPr marL="216000" indent="-215280">
                         <a:lnSpc>
                           <a:spcPct val="0"/>
                         </a:lnSpc>
@@ -4029,7 +4029,7 @@
                       </a:endParaRPr>
                     </a:p>
                     <a:p>
-                      <a:pPr marL="216000" indent="-215640">
+                      <a:pPr marL="216000" indent="-215280">
                         <a:lnSpc>
                           <a:spcPct val="0"/>
                         </a:lnSpc>
@@ -4054,30 +4054,20 @@
                       </a:endParaRPr>
                     </a:p>
                     <a:p>
-                      <a:pPr marL="216000" indent="-215640">
-                        <a:lnSpc>
-                          <a:spcPct val="0"/>
-                        </a:lnSpc>
-                        <a:buClr>
-                          <a:srgbClr val="000000"/>
-                        </a:buClr>
-                        <a:buFont typeface="Symbol"/>
-                        <a:buChar char=""/>
-                      </a:pPr>
-                      <a:endParaRPr b="0" lang="de-DE" sz="1200" spc="-1" strike="noStrike">
-                        <a:latin typeface="Arial"/>
-                      </a:endParaRPr>
-                    </a:p>
-                    <a:p>
-                      <a:pPr marL="216000" indent="-215640">
-                        <a:lnSpc>
-                          <a:spcPct val="0"/>
-                        </a:lnSpc>
-                        <a:buClr>
-                          <a:srgbClr val="000000"/>
-                        </a:buClr>
-                        <a:buFont typeface="Symbol"/>
-                        <a:buChar char=""/>
+                      <a:pPr>
+                        <a:lnSpc>
+                          <a:spcPct val="0"/>
+                        </a:lnSpc>
+                      </a:pPr>
+                      <a:endParaRPr b="0" lang="de-DE" sz="1200" spc="-1" strike="noStrike">
+                        <a:latin typeface="Arial"/>
+                      </a:endParaRPr>
+                    </a:p>
+                    <a:p>
+                      <a:pPr>
+                        <a:lnSpc>
+                          <a:spcPct val="0"/>
+                        </a:lnSpc>
                       </a:pPr>
                       <a:endParaRPr b="0" lang="de-DE" sz="1200" spc="-1" strike="noStrike">
                         <a:latin typeface="Arial"/>
@@ -4112,7 +4102,7 @@
         </p:nvGraphicFramePr>
         <p:xfrm>
           <a:off x="8105040" y="5077080"/>
-          <a:ext cx="1817280" cy="1104480"/>
+          <a:ext cx="1817280" cy="1189800"/>
         </p:xfrm>
         <a:graphic>
           <a:graphicData uri="http://schemas.openxmlformats.org/drawingml/2006/table">
@@ -4158,7 +4148,7 @@
                   <a:txBody>
                     <a:bodyPr/>
                     <a:p>
-                      <a:pPr marL="216000" indent="-215640">
+                      <a:pPr marL="216000" indent="-215280">
                         <a:lnSpc>
                           <a:spcPct val="0"/>
                         </a:lnSpc>
@@ -4190,12 +4180,12 @@
                   </a:tcPr>
                 </a:tc>
               </a:tr>
-              <a:tr h="262440">
-                <a:tc>
-                  <a:txBody>
-                    <a:bodyPr/>
-                    <a:p>
-                      <a:pPr marL="216000" indent="-215640">
+              <a:tr h="603720">
+                <a:tc>
+                  <a:txBody>
+                    <a:bodyPr/>
+                    <a:p>
+                      <a:pPr marL="216000" indent="-215280">
                         <a:lnSpc>
                           <a:spcPct val="100000"/>
                         </a:lnSpc>
@@ -4220,22 +4210,17 @@
                       </a:endParaRPr>
                     </a:p>
                     <a:p>
-                      <a:pPr marL="216000" indent="-215640">
+                      <a:pPr>
                         <a:lnSpc>
                           <a:spcPct val="100000"/>
                         </a:lnSpc>
-                        <a:buClr>
-                          <a:srgbClr val="000000"/>
-                        </a:buClr>
-                        <a:buFont typeface="Symbol"/>
-                        <a:buChar char=""/>
-                      </a:pPr>
-                      <a:endParaRPr b="0" lang="de-DE" sz="1200" spc="-1" strike="noStrike">
-                        <a:latin typeface="Arial"/>
-                      </a:endParaRPr>
-                    </a:p>
-                    <a:p>
-                      <a:pPr marL="216000" indent="-215640">
+                      </a:pPr>
+                      <a:endParaRPr b="0" lang="de-DE" sz="1200" spc="-1" strike="noStrike">
+                        <a:latin typeface="Arial"/>
+                      </a:endParaRPr>
+                    </a:p>
+                    <a:p>
+                      <a:pPr marL="216000" indent="-215280">
                         <a:lnSpc>
                           <a:spcPct val="100000"/>
                         </a:lnSpc>
@@ -4385,7 +4370,7 @@
                   <a:txBody>
                     <a:bodyPr/>
                     <a:p>
-                      <a:pPr marL="216000" indent="-215640">
+                      <a:pPr marL="216000" indent="-215280">
                         <a:lnSpc>
                           <a:spcPct val="0"/>
                         </a:lnSpc>
@@ -4410,7 +4395,7 @@
                       </a:endParaRPr>
                     </a:p>
                     <a:p>
-                      <a:pPr marL="216000" indent="-215640">
+                      <a:pPr marL="216000" indent="-215280">
                         <a:lnSpc>
                           <a:spcPct val="0"/>
                         </a:lnSpc>
@@ -4475,7 +4460,7 @@
                   <a:txBody>
                     <a:bodyPr/>
                     <a:p>
-                      <a:pPr marL="216000" indent="-215640">
+                      <a:pPr marL="216000" indent="-215280">
                         <a:lnSpc>
                           <a:spcPct val="0"/>
                         </a:lnSpc>
@@ -4500,7 +4485,7 @@
                       </a:endParaRPr>
                     </a:p>
                     <a:p>
-                      <a:pPr marL="216000" indent="-215640">
+                      <a:pPr marL="216000" indent="-215280">
                         <a:lnSpc>
                           <a:spcPct val="0"/>
                         </a:lnSpc>
@@ -4549,7 +4534,7 @@
         <p:spPr>
           <a:xfrm>
             <a:off x="180000" y="201600"/>
-            <a:ext cx="1889640" cy="2232360"/>
+            <a:ext cx="1889280" cy="2232000"/>
           </a:xfrm>
           <a:prstGeom prst="rect">
             <a:avLst/>
@@ -4616,8 +4601,8 @@
         </p:nvSpPr>
         <p:spPr>
           <a:xfrm rot="11400">
-            <a:off x="159480" y="179640"/>
-            <a:ext cx="1941480" cy="2229840"/>
+            <a:off x="159120" y="179280"/>
+            <a:ext cx="1941120" cy="2229480"/>
           </a:xfrm>
           <a:custGeom>
             <a:avLst/>
@@ -4695,7 +4680,7 @@
         <p:spPr>
           <a:xfrm>
             <a:off x="2222280" y="178920"/>
-            <a:ext cx="7719120" cy="587520"/>
+            <a:ext cx="7718760" cy="587160"/>
           </a:xfrm>
           <a:custGeom>
             <a:avLst/>
@@ -4773,7 +4758,7 @@
         </p:nvGraphicFramePr>
         <p:xfrm>
           <a:off x="154800" y="5069160"/>
-          <a:ext cx="7816320" cy="2300040"/>
+          <a:ext cx="7816320" cy="2299680"/>
         </p:xfrm>
         <a:graphic>
           <a:graphicData uri="http://schemas.openxmlformats.org/drawingml/2006/table">
@@ -4946,7 +4931,7 @@
                   </a:tcPr>
                 </a:tc>
               </a:tr>
-              <a:tr h="1669320">
+              <a:tr h="1668960">
                 <a:tc>
                   <a:txBody>
                     <a:bodyPr/>
@@ -5475,7 +5460,7 @@
         </p:nvGraphicFramePr>
         <p:xfrm>
           <a:off x="2886120" y="3813480"/>
-          <a:ext cx="5085360" cy="1104480"/>
+          <a:ext cx="5085360" cy="1270800"/>
         </p:xfrm>
         <a:graphic>
           <a:graphicData uri="http://schemas.openxmlformats.org/drawingml/2006/table">
@@ -5572,7 +5557,7 @@
                   <a:txBody>
                     <a:bodyPr/>
                     <a:p>
-                      <a:pPr marL="216000" indent="-215640">
+                      <a:pPr marL="216000" indent="-215280">
                         <a:lnSpc>
                           <a:spcPct val="0"/>
                         </a:lnSpc>
@@ -5607,7 +5592,7 @@
                   <a:txBody>
                     <a:bodyPr/>
                     <a:p>
-                      <a:pPr marL="216000" indent="-215640">
+                      <a:pPr marL="216000" indent="-215280">
                         <a:lnSpc>
                           <a:spcPct val="0"/>
                         </a:lnSpc>
@@ -5644,7 +5629,7 @@
                   <a:txBody>
                     <a:bodyPr/>
                     <a:p>
-                      <a:pPr marL="216000" indent="-215640">
+                      <a:pPr marL="216000" indent="-215280">
                         <a:lnSpc>
                           <a:spcPct val="0"/>
                         </a:lnSpc>
@@ -5679,7 +5664,7 @@
                   <a:txBody>
                     <a:bodyPr/>
                     <a:p>
-                      <a:pPr marL="216000" indent="-215640">
+                      <a:pPr marL="216000" indent="-215280">
                         <a:lnSpc>
                           <a:spcPct val="0"/>
                         </a:lnSpc>
@@ -5739,7 +5724,7 @@
         </p:nvGraphicFramePr>
         <p:xfrm>
           <a:off x="2886120" y="2556720"/>
-          <a:ext cx="7035840" cy="1104480"/>
+          <a:ext cx="7035840" cy="1270800"/>
         </p:xfrm>
         <a:graphic>
           <a:graphicData uri="http://schemas.openxmlformats.org/drawingml/2006/table">
@@ -5816,7 +5801,7 @@
                   <a:txBody>
                     <a:bodyPr/>
                     <a:p>
-                      <a:pPr marL="216000" indent="-215640">
+                      <a:pPr marL="216000" indent="-215280">
                         <a:lnSpc>
                           <a:spcPct val="0"/>
                         </a:lnSpc>
@@ -5851,7 +5836,7 @@
                   <a:txBody>
                     <a:bodyPr/>
                     <a:p>
-                      <a:pPr marL="216000" indent="-215640">
+                      <a:pPr marL="216000" indent="-215280">
                         <a:lnSpc>
                           <a:spcPct val="0"/>
                         </a:lnSpc>
@@ -5888,7 +5873,7 @@
                   <a:txBody>
                     <a:bodyPr/>
                     <a:p>
-                      <a:pPr marL="216000" indent="-215640">
+                      <a:pPr marL="216000" indent="-215280">
                         <a:lnSpc>
                           <a:spcPct val="0"/>
                         </a:lnSpc>
@@ -5923,7 +5908,7 @@
                   <a:txBody>
                     <a:bodyPr/>
                     <a:p>
-                      <a:pPr marL="216000" indent="-215640">
+                      <a:pPr marL="216000" indent="-215280">
                         <a:lnSpc>
                           <a:spcPct val="0"/>
                         </a:lnSpc>
@@ -6068,7 +6053,7 @@
         </p:nvGraphicFramePr>
         <p:xfrm>
           <a:off x="8105040" y="6319800"/>
-          <a:ext cx="1817280" cy="1095840"/>
+          <a:ext cx="1817280" cy="1095480"/>
         </p:xfrm>
         <a:graphic>
           <a:graphicData uri="http://schemas.openxmlformats.org/drawingml/2006/table">
@@ -6109,12 +6094,12 @@
                   </a:tcPr>
                 </a:tc>
               </a:tr>
-              <a:tr h="718200">
-                <a:tc>
-                  <a:txBody>
-                    <a:bodyPr/>
-                    <a:p>
-                      <a:pPr marL="171360" indent="-168840">
+              <a:tr h="717840">
+                <a:tc>
+                  <a:txBody>
+                    <a:bodyPr/>
+                    <a:p>
+                      <a:pPr marL="171360" indent="-168480">
                         <a:lnSpc>
                           <a:spcPct val="0"/>
                         </a:lnSpc>
@@ -6168,7 +6153,7 @@
         </p:nvGraphicFramePr>
         <p:xfrm>
           <a:off x="158040" y="2536200"/>
-          <a:ext cx="2615760" cy="2404800"/>
+          <a:ext cx="2615760" cy="2404440"/>
         </p:xfrm>
         <a:graphic>
           <a:graphicData uri="http://schemas.openxmlformats.org/drawingml/2006/table">
@@ -6209,7 +6194,7 @@
                   </a:tcPr>
                 </a:tc>
               </a:tr>
-              <a:tr h="2053800">
+              <a:tr h="2053440">
                 <a:tc>
                   <a:txBody>
                     <a:bodyPr/>
@@ -6433,7 +6418,7 @@
         </p:nvGraphicFramePr>
         <p:xfrm>
           <a:off x="8105040" y="3813480"/>
-          <a:ext cx="1817280" cy="1153800"/>
+          <a:ext cx="1817280" cy="1153440"/>
         </p:xfrm>
         <a:graphic>
           <a:graphicData uri="http://schemas.openxmlformats.org/drawingml/2006/table">
@@ -6442,7 +6427,7 @@
               <a:tblGrid>
                 <a:gridCol w="1817640"/>
               </a:tblGrid>
-              <a:tr h="362160">
+              <a:tr h="317520">
                 <a:tc>
                   <a:txBody>
                     <a:bodyPr/>
@@ -6474,12 +6459,12 @@
                   </a:tcPr>
                 </a:tc>
               </a:tr>
-              <a:tr h="297720">
-                <a:tc>
-                  <a:txBody>
-                    <a:bodyPr/>
-                    <a:p>
-                      <a:pPr marL="216000" indent="-215280">
+              <a:tr h="433080">
+                <a:tc>
+                  <a:txBody>
+                    <a:bodyPr/>
+                    <a:p>
+                      <a:pPr marL="216000" indent="-214920">
                         <a:lnSpc>
                           <a:spcPct val="0"/>
                         </a:lnSpc>
@@ -6504,7 +6489,7 @@
                       </a:endParaRPr>
                     </a:p>
                     <a:p>
-                      <a:pPr marL="216000" indent="-215280">
+                      <a:pPr marL="216000" indent="-214920">
                         <a:lnSpc>
                           <a:spcPct val="0"/>
                         </a:lnSpc>
@@ -6536,12 +6521,12 @@
                   </a:tcPr>
                 </a:tc>
               </a:tr>
-              <a:tr h="493920">
-                <a:tc>
-                  <a:txBody>
-                    <a:bodyPr/>
-                    <a:p>
-                      <a:pPr marL="216000" indent="-215280">
+              <a:tr h="433080">
+                <a:tc>
+                  <a:txBody>
+                    <a:bodyPr/>
+                    <a:p>
+                      <a:pPr marL="216000" indent="-214920">
                         <a:lnSpc>
                           <a:spcPct val="0"/>
                         </a:lnSpc>
@@ -6586,7 +6571,7 @@
         </p:nvGraphicFramePr>
         <p:xfrm>
           <a:off x="8105040" y="5077080"/>
-          <a:ext cx="1817280" cy="1104480"/>
+          <a:ext cx="1817280" cy="1189800"/>
         </p:xfrm>
         <a:graphic>
           <a:graphicData uri="http://schemas.openxmlformats.org/drawingml/2006/table">
@@ -6632,7 +6617,7 @@
                   <a:txBody>
                     <a:bodyPr/>
                     <a:p>
-                      <a:pPr marL="216000" indent="-215640">
+                      <a:pPr marL="216000" indent="-215280">
                         <a:lnSpc>
                           <a:spcPct val="0"/>
                         </a:lnSpc>
@@ -6669,7 +6654,7 @@
                   <a:txBody>
                     <a:bodyPr/>
                     <a:p>
-                      <a:pPr marL="216000" indent="-215640">
+                      <a:pPr marL="216000" indent="-215280">
                         <a:lnSpc>
                           <a:spcPct val="0"/>
                         </a:lnSpc>
@@ -6727,7 +6712,7 @@
         <p:spPr>
           <a:xfrm>
             <a:off x="288000" y="216000"/>
-            <a:ext cx="1691280" cy="2159280"/>
+            <a:ext cx="1690920" cy="2158920"/>
           </a:xfrm>
           <a:prstGeom prst="rect">
             <a:avLst/>
@@ -6794,8 +6779,8 @@
         </p:nvSpPr>
         <p:spPr>
           <a:xfrm rot="11400">
-            <a:off x="159480" y="179640"/>
-            <a:ext cx="1941480" cy="2229840"/>
+            <a:off x="159120" y="179280"/>
+            <a:ext cx="1941120" cy="2229480"/>
           </a:xfrm>
           <a:custGeom>
             <a:avLst/>
@@ -6873,7 +6858,7 @@
         <p:spPr>
           <a:xfrm>
             <a:off x="2222280" y="178920"/>
-            <a:ext cx="7719120" cy="587520"/>
+            <a:ext cx="7718760" cy="587160"/>
           </a:xfrm>
           <a:custGeom>
             <a:avLst/>
@@ -6951,7 +6936,7 @@
         </p:nvGraphicFramePr>
         <p:xfrm>
           <a:off x="154800" y="5069160"/>
-          <a:ext cx="7816320" cy="2300040"/>
+          <a:ext cx="7816320" cy="2299680"/>
         </p:xfrm>
         <a:graphic>
           <a:graphicData uri="http://schemas.openxmlformats.org/drawingml/2006/table">
@@ -7124,7 +7109,7 @@
                   </a:tcPr>
                 </a:tc>
               </a:tr>
-              <a:tr h="1669320">
+              <a:tr h="1668960">
                 <a:tc>
                   <a:txBody>
                     <a:bodyPr/>
@@ -7499,7 +7484,7 @@
         </p:nvGraphicFramePr>
         <p:xfrm>
           <a:off x="2886120" y="3813480"/>
-          <a:ext cx="5085360" cy="1104480"/>
+          <a:ext cx="5085360" cy="1270800"/>
         </p:xfrm>
         <a:graphic>
           <a:graphicData uri="http://schemas.openxmlformats.org/drawingml/2006/table">
@@ -7596,7 +7581,7 @@
                   <a:txBody>
                     <a:bodyPr/>
                     <a:p>
-                      <a:pPr marL="216000" indent="-215280">
+                      <a:pPr marL="216000" indent="-214920">
                         <a:lnSpc>
                           <a:spcPct val="0"/>
                         </a:lnSpc>
@@ -7631,7 +7616,7 @@
                   <a:txBody>
                     <a:bodyPr/>
                     <a:p>
-                      <a:pPr marL="216000" indent="-215640">
+                      <a:pPr marL="216000" indent="-215280">
                         <a:lnSpc>
                           <a:spcPct val="0"/>
                         </a:lnSpc>
@@ -7668,7 +7653,7 @@
                   <a:txBody>
                     <a:bodyPr/>
                     <a:p>
-                      <a:pPr marL="216000" indent="-215640">
+                      <a:pPr marL="216000" indent="-215280">
                         <a:lnSpc>
                           <a:spcPct val="0"/>
                         </a:lnSpc>
@@ -7703,7 +7688,7 @@
                   <a:txBody>
                     <a:bodyPr/>
                     <a:p>
-                      <a:pPr marL="216000" indent="-215640">
+                      <a:pPr marL="216000" indent="-215280">
                         <a:lnSpc>
                           <a:spcPct val="0"/>
                         </a:lnSpc>
@@ -7763,7 +7748,7 @@
         </p:nvGraphicFramePr>
         <p:xfrm>
           <a:off x="2886120" y="2556720"/>
-          <a:ext cx="7035840" cy="1104480"/>
+          <a:ext cx="7035840" cy="1270800"/>
         </p:xfrm>
         <a:graphic>
           <a:graphicData uri="http://schemas.openxmlformats.org/drawingml/2006/table">
@@ -7840,7 +7825,7 @@
                   <a:txBody>
                     <a:bodyPr/>
                     <a:p>
-                      <a:pPr marL="216000" indent="-215280">
+                      <a:pPr marL="216000" indent="-214920">
                         <a:lnSpc>
                           <a:spcPct val="0"/>
                         </a:lnSpc>
@@ -7876,7 +7861,7 @@
                   <a:txBody>
                     <a:bodyPr/>
                     <a:p>
-                      <a:pPr marL="216000" indent="-215280">
+                      <a:pPr marL="216000" indent="-214920">
                         <a:lnSpc>
                           <a:spcPct val="0"/>
                         </a:lnSpc>
@@ -7914,7 +7899,7 @@
                   <a:txBody>
                     <a:bodyPr/>
                     <a:p>
-                      <a:pPr marL="216000" indent="-215280">
+                      <a:pPr marL="216000" indent="-214920">
                         <a:lnSpc>
                           <a:spcPct val="0"/>
                         </a:lnSpc>
@@ -7950,7 +7935,7 @@
                   <a:txBody>
                     <a:bodyPr/>
                     <a:p>
-                      <a:pPr marL="216000" indent="-215280">
+                      <a:pPr marL="216000" indent="-214920">
                         <a:lnSpc>
                           <a:spcPct val="0"/>
                         </a:lnSpc>
@@ -8095,7 +8080,7 @@
         </p:nvGraphicFramePr>
         <p:xfrm>
           <a:off x="8105040" y="6319800"/>
-          <a:ext cx="1817280" cy="995040"/>
+          <a:ext cx="1817280" cy="994680"/>
         </p:xfrm>
         <a:graphic>
           <a:graphicData uri="http://schemas.openxmlformats.org/drawingml/2006/table">
@@ -8136,12 +8121,12 @@
                   </a:tcPr>
                 </a:tc>
               </a:tr>
-              <a:tr h="677520">
-                <a:tc>
-                  <a:txBody>
-                    <a:bodyPr/>
-                    <a:p>
-                      <a:pPr marL="171360" indent="-168840">
+              <a:tr h="677160">
+                <a:tc>
+                  <a:txBody>
+                    <a:bodyPr/>
+                    <a:p>
+                      <a:pPr marL="171360" indent="-168480">
                         <a:lnSpc>
                           <a:spcPct val="0"/>
                         </a:lnSpc>
@@ -8169,7 +8154,7 @@
                       </a:endParaRPr>
                     </a:p>
                     <a:p>
-                      <a:pPr marL="171360" indent="-168840">
+                      <a:pPr marL="171360" indent="-168480">
                         <a:lnSpc>
                           <a:spcPct val="0"/>
                         </a:lnSpc>
@@ -8213,7 +8198,7 @@
         </p:nvGraphicFramePr>
         <p:xfrm>
           <a:off x="158040" y="2536200"/>
-          <a:ext cx="2615760" cy="2404800"/>
+          <a:ext cx="2615760" cy="2404440"/>
         </p:xfrm>
         <a:graphic>
           <a:graphicData uri="http://schemas.openxmlformats.org/drawingml/2006/table">
@@ -8254,7 +8239,7 @@
                   </a:tcPr>
                 </a:tc>
               </a:tr>
-              <a:tr h="2053800">
+              <a:tr h="2053440">
                 <a:tc>
                   <a:txBody>
                     <a:bodyPr/>
@@ -8458,7 +8443,7 @@
         </p:nvGraphicFramePr>
         <p:xfrm>
           <a:off x="8105040" y="3813480"/>
-          <a:ext cx="1817280" cy="1104480"/>
+          <a:ext cx="1817280" cy="1189800"/>
         </p:xfrm>
         <a:graphic>
           <a:graphicData uri="http://schemas.openxmlformats.org/drawingml/2006/table">
@@ -8504,7 +8489,7 @@
                   <a:txBody>
                     <a:bodyPr/>
                     <a:p>
-                      <a:pPr marL="216000" indent="-215640">
+                      <a:pPr marL="216000" indent="-215280">
                         <a:lnSpc>
                           <a:spcPct val="0"/>
                         </a:lnSpc>
@@ -8536,12 +8521,12 @@
                   </a:tcPr>
                 </a:tc>
               </a:tr>
-              <a:tr h="262440">
-                <a:tc>
-                  <a:txBody>
-                    <a:bodyPr/>
-                    <a:p>
-                      <a:pPr marL="216000" indent="-215640">
+              <a:tr h="433080">
+                <a:tc>
+                  <a:txBody>
+                    <a:bodyPr/>
+                    <a:p>
+                      <a:pPr marL="216000" indent="-215280">
                         <a:lnSpc>
                           <a:spcPct val="0"/>
                         </a:lnSpc>
@@ -8566,7 +8551,7 @@
                       </a:endParaRPr>
                     </a:p>
                     <a:p>
-                      <a:pPr marL="216000" indent="-215640">
+                      <a:pPr marL="216000" indent="-215280">
                         <a:lnSpc>
                           <a:spcPct val="0"/>
                         </a:lnSpc>
@@ -8619,7 +8604,7 @@
         </p:nvGraphicFramePr>
         <p:xfrm>
           <a:off x="8105040" y="5077080"/>
-          <a:ext cx="1817280" cy="1104480"/>
+          <a:ext cx="1817280" cy="1356120"/>
         </p:xfrm>
         <a:graphic>
           <a:graphicData uri="http://schemas.openxmlformats.org/drawingml/2006/table">
@@ -8660,12 +8645,12 @@
                   </a:tcPr>
                 </a:tc>
               </a:tr>
-              <a:tr h="262440">
-                <a:tc>
-                  <a:txBody>
-                    <a:bodyPr/>
-                    <a:p>
-                      <a:pPr marL="216000" indent="-215640">
+              <a:tr h="433080">
+                <a:tc>
+                  <a:txBody>
+                    <a:bodyPr/>
+                    <a:p>
+                      <a:pPr marL="216000" indent="-215280">
                         <a:lnSpc>
                           <a:spcPct val="0"/>
                         </a:lnSpc>
@@ -8690,7 +8675,7 @@
                       </a:endParaRPr>
                     </a:p>
                     <a:p>
-                      <a:pPr marL="216000" indent="-215640">
+                      <a:pPr marL="216000" indent="-215280">
                         <a:lnSpc>
                           <a:spcPct val="0"/>
                         </a:lnSpc>
@@ -8757,7 +8742,7 @@
         <p:spPr>
           <a:xfrm>
             <a:off x="324000" y="216000"/>
-            <a:ext cx="1619280" cy="2159280"/>
+            <a:ext cx="1618920" cy="2158920"/>
           </a:xfrm>
           <a:prstGeom prst="rect">
             <a:avLst/>
@@ -8824,8 +8809,8 @@
         </p:nvSpPr>
         <p:spPr>
           <a:xfrm rot="11400">
-            <a:off x="159480" y="179640"/>
-            <a:ext cx="1941480" cy="2229840"/>
+            <a:off x="159120" y="179280"/>
+            <a:ext cx="1941120" cy="2229480"/>
           </a:xfrm>
           <a:custGeom>
             <a:avLst/>
@@ -8903,7 +8888,7 @@
         <p:spPr>
           <a:xfrm>
             <a:off x="2222280" y="178920"/>
-            <a:ext cx="7719120" cy="587520"/>
+            <a:ext cx="7718760" cy="587160"/>
           </a:xfrm>
           <a:custGeom>
             <a:avLst/>
@@ -8978,7 +8963,7 @@
         </p:nvGraphicFramePr>
         <p:xfrm>
           <a:off x="154800" y="5069160"/>
-          <a:ext cx="7816320" cy="2300040"/>
+          <a:ext cx="7816320" cy="2299680"/>
         </p:xfrm>
         <a:graphic>
           <a:graphicData uri="http://schemas.openxmlformats.org/drawingml/2006/table">
@@ -9151,7 +9136,7 @@
                   </a:tcPr>
                 </a:tc>
               </a:tr>
-              <a:tr h="1669320">
+              <a:tr h="1668960">
                 <a:tc>
                   <a:txBody>
                     <a:bodyPr/>
@@ -9590,7 +9575,7 @@
         </p:nvGraphicFramePr>
         <p:xfrm>
           <a:off x="2886120" y="3813480"/>
-          <a:ext cx="5085360" cy="1104480"/>
+          <a:ext cx="5085360" cy="1270800"/>
         </p:xfrm>
         <a:graphic>
           <a:graphicData uri="http://schemas.openxmlformats.org/drawingml/2006/table">
@@ -9687,7 +9672,7 @@
                   <a:txBody>
                     <a:bodyPr/>
                     <a:p>
-                      <a:pPr marL="216000" indent="-215280">
+                      <a:pPr marL="216000" indent="-214920">
                         <a:lnSpc>
                           <a:spcPct val="0"/>
                         </a:lnSpc>
@@ -9723,7 +9708,7 @@
                   <a:txBody>
                     <a:bodyPr/>
                     <a:p>
-                      <a:pPr marL="216000" indent="-215280">
+                      <a:pPr marL="216000" indent="-214920">
                         <a:lnSpc>
                           <a:spcPct val="0"/>
                         </a:lnSpc>
@@ -9761,7 +9746,7 @@
                   <a:txBody>
                     <a:bodyPr/>
                     <a:p>
-                      <a:pPr marL="216000" indent="-215280">
+                      <a:pPr marL="216000" indent="-214920">
                         <a:lnSpc>
                           <a:spcPct val="0"/>
                         </a:lnSpc>
@@ -9797,7 +9782,7 @@
                   <a:txBody>
                     <a:bodyPr/>
                     <a:p>
-                      <a:pPr marL="216000" indent="-215280">
+                      <a:pPr marL="216000" indent="-214920">
                         <a:lnSpc>
                           <a:spcPct val="0"/>
                         </a:lnSpc>
@@ -9858,7 +9843,7 @@
         </p:nvGraphicFramePr>
         <p:xfrm>
           <a:off x="2886120" y="2556720"/>
-          <a:ext cx="7035840" cy="1104480"/>
+          <a:ext cx="7035840" cy="1270800"/>
         </p:xfrm>
         <a:graphic>
           <a:graphicData uri="http://schemas.openxmlformats.org/drawingml/2006/table">
@@ -9935,7 +9920,7 @@
                   <a:txBody>
                     <a:bodyPr/>
                     <a:p>
-                      <a:pPr marL="216000" indent="-215280">
+                      <a:pPr marL="216000" indent="-214920">
                         <a:lnSpc>
                           <a:spcPct val="0"/>
                         </a:lnSpc>
@@ -9971,7 +9956,7 @@
                   <a:txBody>
                     <a:bodyPr/>
                     <a:p>
-                      <a:pPr marL="216000" indent="-215280">
+                      <a:pPr marL="216000" indent="-214920">
                         <a:lnSpc>
                           <a:spcPct val="0"/>
                         </a:lnSpc>
@@ -10009,7 +9994,7 @@
                   <a:txBody>
                     <a:bodyPr/>
                     <a:p>
-                      <a:pPr marL="216000" indent="-215280">
+                      <a:pPr marL="216000" indent="-214920">
                         <a:lnSpc>
                           <a:spcPct val="0"/>
                         </a:lnSpc>
@@ -10045,7 +10030,7 @@
                   <a:txBody>
                     <a:bodyPr/>
                     <a:p>
-                      <a:pPr marL="216000" indent="-215280">
+                      <a:pPr marL="216000" indent="-214920">
                         <a:lnSpc>
                           <a:spcPct val="0"/>
                         </a:lnSpc>
@@ -10187,7 +10172,7 @@
         </p:nvGraphicFramePr>
         <p:xfrm>
           <a:off x="8105040" y="6319800"/>
-          <a:ext cx="1817280" cy="920880"/>
+          <a:ext cx="1817280" cy="920520"/>
         </p:xfrm>
         <a:graphic>
           <a:graphicData uri="http://schemas.openxmlformats.org/drawingml/2006/table">
@@ -10228,12 +10213,12 @@
                   </a:tcPr>
                 </a:tc>
               </a:tr>
-              <a:tr h="603360">
-                <a:tc>
-                  <a:txBody>
-                    <a:bodyPr/>
-                    <a:p>
-                      <a:pPr marL="171360" indent="-168840">
+              <a:tr h="603000">
+                <a:tc>
+                  <a:txBody>
+                    <a:bodyPr/>
+                    <a:p>
+                      <a:pPr marL="171360" indent="-168480">
                         <a:lnSpc>
                           <a:spcPct val="0"/>
                         </a:lnSpc>
@@ -10261,7 +10246,7 @@
                       </a:endParaRPr>
                     </a:p>
                     <a:p>
-                      <a:pPr marL="171360" indent="-168840">
+                      <a:pPr marL="171360" indent="-168480">
                         <a:lnSpc>
                           <a:spcPct val="0"/>
                         </a:lnSpc>
@@ -10305,7 +10290,7 @@
         </p:nvGraphicFramePr>
         <p:xfrm>
           <a:off x="158040" y="2536200"/>
-          <a:ext cx="2615760" cy="2404800"/>
+          <a:ext cx="2615760" cy="2404440"/>
         </p:xfrm>
         <a:graphic>
           <a:graphicData uri="http://schemas.openxmlformats.org/drawingml/2006/table">
@@ -10346,7 +10331,7 @@
                   </a:tcPr>
                 </a:tc>
               </a:tr>
-              <a:tr h="2053800">
+              <a:tr h="2053440">
                 <a:tc>
                   <a:txBody>
                     <a:bodyPr/>
@@ -10596,7 +10581,7 @@
                   <a:txBody>
                     <a:bodyPr/>
                     <a:p>
-                      <a:pPr marL="216000" indent="-215280">
+                      <a:pPr marL="216000" indent="-214920">
                         <a:lnSpc>
                           <a:spcPct val="0"/>
                         </a:lnSpc>
@@ -10634,7 +10619,7 @@
                   <a:txBody>
                     <a:bodyPr/>
                     <a:p>
-                      <a:pPr marL="216000" indent="-215280">
+                      <a:pPr marL="216000" indent="-214920">
                         <a:lnSpc>
                           <a:spcPct val="0"/>
                         </a:lnSpc>
@@ -10729,7 +10714,7 @@
                   </a:tcPr>
                 </a:tc>
               </a:tr>
-              <a:tr h="262440">
+              <a:tr h="428760">
                 <a:tc>
                   <a:tcPr marL="91440" marR="91440">
                     <a:solidFill>
@@ -10738,12 +10723,12 @@
                   </a:tcPr>
                 </a:tc>
               </a:tr>
-              <a:tr h="262440">
-                <a:tc>
-                  <a:txBody>
-                    <a:bodyPr/>
-                    <a:p>
-                      <a:pPr marL="216000" indent="-215640">
+              <a:tr h="945000">
+                <a:tc>
+                  <a:txBody>
+                    <a:bodyPr/>
+                    <a:p>
+                      <a:pPr marL="216000" indent="-215280">
                         <a:lnSpc>
                           <a:spcPct val="100000"/>
                         </a:lnSpc>
@@ -10769,7 +10754,7 @@
                       </a:endParaRPr>
                     </a:p>
                     <a:p>
-                      <a:pPr marL="216000" indent="-215640">
+                      <a:pPr marL="216000" indent="-215280">
                         <a:lnSpc>
                           <a:spcPct val="100000"/>
                         </a:lnSpc>
@@ -10795,7 +10780,7 @@
                       </a:endParaRPr>
                     </a:p>
                     <a:p>
-                      <a:pPr marL="216000" indent="-215640">
+                      <a:pPr marL="216000" indent="-215280">
                         <a:lnSpc>
                           <a:spcPct val="100000"/>
                         </a:lnSpc>
@@ -10821,7 +10806,7 @@
                       </a:endParaRPr>
                     </a:p>
                     <a:p>
-                      <a:pPr marL="216000" indent="-215640">
+                      <a:pPr marL="216000" indent="-215280">
                         <a:lnSpc>
                           <a:spcPct val="100000"/>
                         </a:lnSpc>
@@ -10880,7 +10865,7 @@
         <p:spPr>
           <a:xfrm>
             <a:off x="324000" y="208800"/>
-            <a:ext cx="1532160" cy="2205000"/>
+            <a:ext cx="1531800" cy="2204640"/>
           </a:xfrm>
           <a:prstGeom prst="rect">
             <a:avLst/>
@@ -10947,8 +10932,8 @@
         </p:nvSpPr>
         <p:spPr>
           <a:xfrm rot="11400">
-            <a:off x="159480" y="179640"/>
-            <a:ext cx="1941480" cy="2229840"/>
+            <a:off x="159120" y="179280"/>
+            <a:ext cx="1941120" cy="2229480"/>
           </a:xfrm>
           <a:custGeom>
             <a:avLst/>
@@ -11026,7 +11011,7 @@
         <p:spPr>
           <a:xfrm>
             <a:off x="2222280" y="178920"/>
-            <a:ext cx="7719120" cy="587520"/>
+            <a:ext cx="7718760" cy="587160"/>
           </a:xfrm>
           <a:custGeom>
             <a:avLst/>
@@ -11111,7 +11096,7 @@
         </p:nvGraphicFramePr>
         <p:xfrm>
           <a:off x="154800" y="5069160"/>
-          <a:ext cx="7816320" cy="2300040"/>
+          <a:ext cx="7816320" cy="2299680"/>
         </p:xfrm>
         <a:graphic>
           <a:graphicData uri="http://schemas.openxmlformats.org/drawingml/2006/table">
@@ -11284,7 +11269,7 @@
                   </a:tcPr>
                 </a:tc>
               </a:tr>
-              <a:tr h="1669320">
+              <a:tr h="1668960">
                 <a:tc>
                   <a:txBody>
                     <a:bodyPr/>
@@ -11608,7 +11593,7 @@
         </p:nvGraphicFramePr>
         <p:xfrm>
           <a:off x="2886120" y="3813480"/>
-          <a:ext cx="5085360" cy="1045080"/>
+          <a:ext cx="5085360" cy="1049400"/>
         </p:xfrm>
         <a:graphic>
           <a:graphicData uri="http://schemas.openxmlformats.org/drawingml/2006/table">
@@ -11705,7 +11690,7 @@
                   <a:txBody>
                     <a:bodyPr/>
                     <a:p>
-                      <a:pPr marL="216000" indent="-215280">
+                      <a:pPr marL="216000" indent="-214920">
                         <a:lnSpc>
                           <a:spcPct val="0"/>
                         </a:lnSpc>
@@ -11741,7 +11726,7 @@
                   <a:txBody>
                     <a:bodyPr/>
                     <a:p>
-                      <a:pPr marL="216000" indent="-215640">
+                      <a:pPr marL="216000" indent="-215280">
                         <a:lnSpc>
                           <a:spcPct val="0"/>
                         </a:lnSpc>
@@ -11774,12 +11759,12 @@
                   </a:tcPr>
                 </a:tc>
               </a:tr>
-              <a:tr h="437760">
-                <a:tc>
-                  <a:txBody>
-                    <a:bodyPr/>
-                    <a:p>
-                      <a:pPr marL="216000" indent="-215640">
+              <a:tr h="437400">
+                <a:tc>
+                  <a:txBody>
+                    <a:bodyPr/>
+                    <a:p>
+                      <a:pPr marL="216000" indent="-215280">
                         <a:lnSpc>
                           <a:spcPct val="0"/>
                         </a:lnSpc>
@@ -11831,7 +11816,7 @@
         </p:nvGraphicFramePr>
         <p:xfrm>
           <a:off x="2886120" y="2556720"/>
-          <a:ext cx="7035840" cy="1131120"/>
+          <a:ext cx="7035840" cy="1270800"/>
         </p:xfrm>
         <a:graphic>
           <a:graphicData uri="http://schemas.openxmlformats.org/drawingml/2006/table">
@@ -11908,7 +11893,7 @@
                   <a:txBody>
                     <a:bodyPr/>
                     <a:p>
-                      <a:pPr marL="216000" indent="-215640">
+                      <a:pPr marL="216000" indent="-215280">
                         <a:lnSpc>
                           <a:spcPct val="100000"/>
                         </a:lnSpc>
@@ -11940,7 +11925,7 @@
                   <a:txBody>
                     <a:bodyPr/>
                     <a:p>
-                      <a:pPr marL="216000" indent="-215280">
+                      <a:pPr marL="216000" indent="-214920">
                         <a:lnSpc>
                           <a:spcPct val="0"/>
                         </a:lnSpc>
@@ -11978,7 +11963,7 @@
                   <a:txBody>
                     <a:bodyPr/>
                     <a:p>
-                      <a:pPr marL="216000" indent="-215640">
+                      <a:pPr marL="216000" indent="-215280">
                         <a:lnSpc>
                           <a:spcPct val="0"/>
                         </a:lnSpc>
@@ -12014,7 +11999,7 @@
                   <a:txBody>
                     <a:bodyPr/>
                     <a:p>
-                      <a:pPr marL="216000" indent="-215640">
+                      <a:pPr marL="216000" indent="-215280">
                         <a:lnSpc>
                           <a:spcPct val="100000"/>
                         </a:lnSpc>
@@ -12168,7 +12153,7 @@
         </p:nvGraphicFramePr>
         <p:xfrm>
           <a:off x="8105040" y="6319800"/>
-          <a:ext cx="1817280" cy="920880"/>
+          <a:ext cx="1817280" cy="920520"/>
         </p:xfrm>
         <a:graphic>
           <a:graphicData uri="http://schemas.openxmlformats.org/drawingml/2006/table">
@@ -12209,12 +12194,12 @@
                   </a:tcPr>
                 </a:tc>
               </a:tr>
-              <a:tr h="603360">
-                <a:tc>
-                  <a:txBody>
-                    <a:bodyPr/>
-                    <a:p>
-                      <a:pPr marL="171360" indent="-168840">
+              <a:tr h="603000">
+                <a:tc>
+                  <a:txBody>
+                    <a:bodyPr/>
+                    <a:p>
+                      <a:pPr marL="171360" indent="-168480">
                         <a:lnSpc>
                           <a:spcPct val="0"/>
                         </a:lnSpc>
@@ -12242,7 +12227,7 @@
                       </a:endParaRPr>
                     </a:p>
                     <a:p>
-                      <a:pPr marL="171360" indent="-168840">
+                      <a:pPr marL="171360" indent="-168480">
                         <a:lnSpc>
                           <a:spcPct val="0"/>
                         </a:lnSpc>
@@ -12286,7 +12271,7 @@
         </p:nvGraphicFramePr>
         <p:xfrm>
           <a:off x="158040" y="2536200"/>
-          <a:ext cx="2615760" cy="2404800"/>
+          <a:ext cx="2615760" cy="2404440"/>
         </p:xfrm>
         <a:graphic>
           <a:graphicData uri="http://schemas.openxmlformats.org/drawingml/2006/table">
@@ -12327,7 +12312,7 @@
                   </a:tcPr>
                 </a:tc>
               </a:tr>
-              <a:tr h="2053800">
+              <a:tr h="2053440">
                 <a:tc>
                   <a:txBody>
                     <a:bodyPr/>
@@ -12531,7 +12516,7 @@
         </p:nvGraphicFramePr>
         <p:xfrm>
           <a:off x="8105040" y="3813480"/>
-          <a:ext cx="1817280" cy="1104480"/>
+          <a:ext cx="1817280" cy="1189800"/>
         </p:xfrm>
         <a:graphic>
           <a:graphicData uri="http://schemas.openxmlformats.org/drawingml/2006/table">
@@ -12577,7 +12562,7 @@
                   <a:txBody>
                     <a:bodyPr/>
                     <a:p>
-                      <a:pPr marL="216000" indent="-215280">
+                      <a:pPr marL="216000" indent="-214920">
                         <a:lnSpc>
                           <a:spcPct val="0"/>
                         </a:lnSpc>
@@ -12615,7 +12600,7 @@
                   <a:txBody>
                     <a:bodyPr/>
                     <a:p>
-                      <a:pPr marL="216000" indent="-215280">
+                      <a:pPr marL="216000" indent="-214920">
                         <a:lnSpc>
                           <a:spcPct val="0"/>
                         </a:lnSpc>
@@ -12669,7 +12654,7 @@
         </p:nvGraphicFramePr>
         <p:xfrm>
           <a:off x="8105040" y="5077080"/>
-          <a:ext cx="1817280" cy="1104480"/>
+          <a:ext cx="1817280" cy="1189800"/>
         </p:xfrm>
         <a:graphic>
           <a:graphicData uri="http://schemas.openxmlformats.org/drawingml/2006/table">
@@ -12710,7 +12695,7 @@
                   </a:tcPr>
                 </a:tc>
               </a:tr>
-              <a:tr h="262440">
+              <a:tr h="428760">
                 <a:tc>
                   <a:tcPr marL="91440" marR="91440">
                     <a:solidFill>
@@ -12719,12 +12704,22 @@
                   </a:tcPr>
                 </a:tc>
               </a:tr>
-              <a:tr h="262440">
-                <a:tc>
-                  <a:txBody>
-                    <a:bodyPr/>
-                    <a:p>
-                      <a:pPr marL="216000" indent="-215640">
+              <a:tr h="689040">
+                <a:tc>
+                  <a:txBody>
+                    <a:bodyPr/>
+                    <a:p>
+                      <a:pPr>
+                        <a:lnSpc>
+                          <a:spcPct val="0"/>
+                        </a:lnSpc>
+                      </a:pPr>
+                      <a:endParaRPr b="0" lang="de-DE" sz="1800" spc="-1" strike="noStrike">
+                        <a:latin typeface="Arial"/>
+                      </a:endParaRPr>
+                    </a:p>
+                    <a:p>
+                      <a:pPr marL="216000" indent="-215280">
                         <a:lnSpc>
                           <a:spcPct val="0"/>
                         </a:lnSpc>
@@ -12734,21 +12729,6 @@
                         <a:buFont typeface="Symbol"/>
                         <a:buChar char=""/>
                       </a:pPr>
-                      <a:endParaRPr b="0" lang="de-DE" sz="1800" spc="-1" strike="noStrike">
-                        <a:latin typeface="Arial"/>
-                      </a:endParaRPr>
-                    </a:p>
-                    <a:p>
-                      <a:pPr marL="216000" indent="-215640">
-                        <a:lnSpc>
-                          <a:spcPct val="0"/>
-                        </a:lnSpc>
-                        <a:buClr>
-                          <a:srgbClr val="000000"/>
-                        </a:buClr>
-                        <a:buFont typeface="Symbol"/>
-                        <a:buChar char=""/>
-                      </a:pPr>
                       <a:r>
                         <a:rPr b="0" lang="de-DE" sz="1200" spc="-1" strike="noStrike">
                           <a:solidFill>
@@ -12764,7 +12744,7 @@
                       </a:endParaRPr>
                     </a:p>
                     <a:p>
-                      <a:pPr marL="216000" indent="-215640">
+                      <a:pPr marL="216000" indent="-215280">
                         <a:lnSpc>
                           <a:spcPct val="0"/>
                         </a:lnSpc>
@@ -12822,7 +12802,7 @@
         <p:spPr>
           <a:xfrm>
             <a:off x="288000" y="216000"/>
-            <a:ext cx="1669680" cy="2159280"/>
+            <a:ext cx="1669320" cy="2158920"/>
           </a:xfrm>
           <a:prstGeom prst="rect">
             <a:avLst/>
